--- a/2022.01.12 Tecoco_Clase 05_01_Análisis Léxico usando Expresiones Regulares.pptx
+++ b/2022.01.12 Tecoco_Clase 05_01_Análisis Léxico usando Expresiones Regulares.pptx
@@ -7985,7 +7985,7 @@
         </p:nvSpPr>
         <p:spPr>
           <a:xfrm>
-            <a:off x="8315282" y="806459"/>
+            <a:off x="7315839" y="15884"/>
             <a:ext cx="2438721" cy="1280890"/>
           </a:xfrm>
         </p:spPr>
@@ -8098,6 +8098,87 @@
               <a:rPr lang="es-CO" sz="1200" dirty="0"/>
               <a:t>El último método es:</a:t>
             </a:r>
+          </a:p>
+        </p:txBody>
+      </p:sp>
+      <p:sp>
+        <p:nvSpPr>
+          <p:cNvPr id="7" name="CuadroTexto 6">
+            <a:extLst>
+              <a:ext uri="{FF2B5EF4-FFF2-40B4-BE49-F238E27FC236}">
+                <a16:creationId xmlns:a16="http://schemas.microsoft.com/office/drawing/2014/main" id="{F561903C-B82B-4550-B817-8AADAB2B7908}"/>
+              </a:ext>
+            </a:extLst>
+          </p:cNvPr>
+          <p:cNvSpPr txBox="1"/>
+          <p:nvPr/>
+        </p:nvSpPr>
+        <p:spPr>
+          <a:xfrm>
+            <a:off x="8855497" y="3183474"/>
+            <a:ext cx="3289139" cy="1292662"/>
+          </a:xfrm>
+          <a:prstGeom prst="rect">
+            <a:avLst/>
+          </a:prstGeom>
+        </p:spPr>
+        <p:style>
+          <a:lnRef idx="2">
+            <a:schemeClr val="dk1"/>
+          </a:lnRef>
+          <a:fillRef idx="1">
+            <a:schemeClr val="lt1"/>
+          </a:fillRef>
+          <a:effectRef idx="0">
+            <a:schemeClr val="dk1"/>
+          </a:effectRef>
+          <a:fontRef idx="minor">
+            <a:schemeClr val="dk1"/>
+          </a:fontRef>
+        </p:style>
+        <p:txBody>
+          <a:bodyPr wrap="square">
+            <a:spAutoFit/>
+          </a:bodyPr>
+          <a:lstStyle/>
+          <a:p>
+            <a:r>
+              <a:rPr lang="es-CO" dirty="0">
+                <a:hlinkClick r:id="rId4"/>
+              </a:rPr>
+              <a:t>Lectura Recomendada, Generadores y </a:t>
+            </a:r>
+            <a:r>
+              <a:rPr lang="es-CO" dirty="0" err="1">
+                <a:hlinkClick r:id="rId4"/>
+              </a:rPr>
+              <a:t>Yield</a:t>
+            </a:r>
+            <a:r>
+              <a:rPr lang="es-CO" dirty="0">
+                <a:hlinkClick r:id="rId4"/>
+              </a:rPr>
+              <a:t>:</a:t>
+            </a:r>
+          </a:p>
+          <a:p>
+            <a:r>
+              <a:rPr lang="es-CO" dirty="0">
+                <a:hlinkClick r:id="rId4"/>
+              </a:rPr>
+              <a:t> </a:t>
+            </a:r>
+            <a:r>
+              <a:rPr lang="es-CO" sz="1200" dirty="0">
+                <a:hlinkClick r:id="rId4"/>
+              </a:rPr>
+              <a:t>https://realpython.com/introduction-to-python-generators/#understanding-the-python-yield-statement</a:t>
+            </a:r>
+            <a:r>
+              <a:rPr lang="es-CO" sz="1200" dirty="0"/>
+              <a:t> </a:t>
+            </a:r>
+            <a:endParaRPr lang="es-CO" dirty="0"/>
           </a:p>
         </p:txBody>
       </p:sp>
